--- a/blockchainconnect.pptx
+++ b/blockchainconnect.pptx
@@ -28056,7 +28056,7 @@
             </a:ln>
             <a:extLst>
               <a:ext uri="{91240B29-F687-4f45-9708-019B960494DF}">
-                <a14:hiddenLine xmlns="" xmlns:a14="http://schemas.microsoft.com/office/drawing/2010/main" w="9525">
+                <a14:hiddenLine xmlns:a14="http://schemas.microsoft.com/office/drawing/2010/main" xmlns="" w="9525">
                   <a:solidFill>
                     <a:srgbClr val="000000"/>
                   </a:solidFill>
@@ -28146,7 +28146,7 @@
             </a:ln>
             <a:extLst>
               <a:ext uri="{91240B29-F687-4f45-9708-019B960494DF}">
-                <a14:hiddenLine xmlns="" xmlns:a14="http://schemas.microsoft.com/office/drawing/2010/main" w="9525">
+                <a14:hiddenLine xmlns:a14="http://schemas.microsoft.com/office/drawing/2010/main" xmlns="" w="9525">
                   <a:solidFill>
                     <a:srgbClr val="000000"/>
                   </a:solidFill>
@@ -28236,7 +28236,7 @@
             </a:ln>
             <a:extLst>
               <a:ext uri="{91240B29-F687-4f45-9708-019B960494DF}">
-                <a14:hiddenLine xmlns="" xmlns:a14="http://schemas.microsoft.com/office/drawing/2010/main" w="9525">
+                <a14:hiddenLine xmlns:a14="http://schemas.microsoft.com/office/drawing/2010/main" xmlns="" w="9525">
                   <a:solidFill>
                     <a:srgbClr val="000000"/>
                   </a:solidFill>
@@ -28270,7 +28270,7 @@
             </a:ln>
             <a:extLst>
               <a:ext uri="{91240B29-F687-4f45-9708-019B960494DF}">
-                <a14:hiddenLine xmlns="" xmlns:a14="http://schemas.microsoft.com/office/drawing/2010/main" w="9525">
+                <a14:hiddenLine xmlns:a14="http://schemas.microsoft.com/office/drawing/2010/main" xmlns="" w="9525">
                   <a:solidFill>
                     <a:srgbClr val="000000"/>
                   </a:solidFill>
@@ -28360,7 +28360,7 @@
             </a:ln>
             <a:extLst>
               <a:ext uri="{91240B29-F687-4f45-9708-019B960494DF}">
-                <a14:hiddenLine xmlns="" xmlns:a14="http://schemas.microsoft.com/office/drawing/2010/main" w="9525">
+                <a14:hiddenLine xmlns:a14="http://schemas.microsoft.com/office/drawing/2010/main" xmlns="" w="9525">
                   <a:solidFill>
                     <a:srgbClr val="000000"/>
                   </a:solidFill>
@@ -28422,7 +28422,7 @@
             </a:ln>
             <a:extLst>
               <a:ext uri="{91240B29-F687-4f45-9708-019B960494DF}">
-                <a14:hiddenLine xmlns="" xmlns:a14="http://schemas.microsoft.com/office/drawing/2010/main" w="9525">
+                <a14:hiddenLine xmlns:a14="http://schemas.microsoft.com/office/drawing/2010/main" xmlns="" w="9525">
                   <a:solidFill>
                     <a:srgbClr val="000000"/>
                   </a:solidFill>
@@ -28484,7 +28484,7 @@
             </a:ln>
             <a:extLst>
               <a:ext uri="{91240B29-F687-4f45-9708-019B960494DF}">
-                <a14:hiddenLine xmlns="" xmlns:a14="http://schemas.microsoft.com/office/drawing/2010/main" w="9525">
+                <a14:hiddenLine xmlns:a14="http://schemas.microsoft.com/office/drawing/2010/main" xmlns="" w="9525">
                   <a:solidFill>
                     <a:srgbClr val="000000"/>
                   </a:solidFill>
@@ -28574,7 +28574,7 @@
             </a:ln>
             <a:extLst>
               <a:ext uri="{91240B29-F687-4f45-9708-019B960494DF}">
-                <a14:hiddenLine xmlns="" xmlns:a14="http://schemas.microsoft.com/office/drawing/2010/main" w="9525">
+                <a14:hiddenLine xmlns:a14="http://schemas.microsoft.com/office/drawing/2010/main" xmlns="" w="9525">
                   <a:solidFill>
                     <a:srgbClr val="000000"/>
                   </a:solidFill>
@@ -28636,7 +28636,7 @@
             </a:ln>
             <a:extLst>
               <a:ext uri="{91240B29-F687-4f45-9708-019B960494DF}">
-                <a14:hiddenLine xmlns="" xmlns:a14="http://schemas.microsoft.com/office/drawing/2010/main" w="9525">
+                <a14:hiddenLine xmlns:a14="http://schemas.microsoft.com/office/drawing/2010/main" xmlns="" w="9525">
                   <a:solidFill>
                     <a:srgbClr val="000000"/>
                   </a:solidFill>
@@ -28698,7 +28698,7 @@
             </a:ln>
             <a:extLst>
               <a:ext uri="{91240B29-F687-4f45-9708-019B960494DF}">
-                <a14:hiddenLine xmlns="" xmlns:a14="http://schemas.microsoft.com/office/drawing/2010/main" w="9525">
+                <a14:hiddenLine xmlns:a14="http://schemas.microsoft.com/office/drawing/2010/main" xmlns="" w="9525">
                   <a:solidFill>
                     <a:srgbClr val="000000"/>
                   </a:solidFill>
@@ -28788,7 +28788,7 @@
             </a:ln>
             <a:extLst>
               <a:ext uri="{91240B29-F687-4f45-9708-019B960494DF}">
-                <a14:hiddenLine xmlns="" xmlns:a14="http://schemas.microsoft.com/office/drawing/2010/main" w="9525">
+                <a14:hiddenLine xmlns:a14="http://schemas.microsoft.com/office/drawing/2010/main" xmlns="" w="9525">
                   <a:solidFill>
                     <a:srgbClr val="000000"/>
                   </a:solidFill>
@@ -28878,7 +28878,7 @@
             </a:ln>
             <a:extLst>
               <a:ext uri="{91240B29-F687-4f45-9708-019B960494DF}">
-                <a14:hiddenLine xmlns="" xmlns:a14="http://schemas.microsoft.com/office/drawing/2010/main" w="9525">
+                <a14:hiddenLine xmlns:a14="http://schemas.microsoft.com/office/drawing/2010/main" xmlns="" w="9525">
                   <a:solidFill>
                     <a:srgbClr val="000000"/>
                   </a:solidFill>
@@ -28940,7 +28940,7 @@
             </a:ln>
             <a:extLst>
               <a:ext uri="{91240B29-F687-4f45-9708-019B960494DF}">
-                <a14:hiddenLine xmlns="" xmlns:a14="http://schemas.microsoft.com/office/drawing/2010/main" w="9525">
+                <a14:hiddenLine xmlns:a14="http://schemas.microsoft.com/office/drawing/2010/main" xmlns="" w="9525">
                   <a:solidFill>
                     <a:srgbClr val="000000"/>
                   </a:solidFill>
@@ -29050,7 +29050,7 @@
             </a:ln>
             <a:extLst>
               <a:ext uri="{91240B29-F687-4f45-9708-019B960494DF}">
-                <a14:hiddenLine xmlns="" xmlns:a14="http://schemas.microsoft.com/office/drawing/2010/main" w="9525">
+                <a14:hiddenLine xmlns:a14="http://schemas.microsoft.com/office/drawing/2010/main" xmlns="" w="9525">
                   <a:solidFill>
                     <a:srgbClr val="000000"/>
                   </a:solidFill>
@@ -29112,7 +29112,7 @@
             </a:ln>
             <a:extLst>
               <a:ext uri="{91240B29-F687-4f45-9708-019B960494DF}">
-                <a14:hiddenLine xmlns="" xmlns:a14="http://schemas.microsoft.com/office/drawing/2010/main" w="9525">
+                <a14:hiddenLine xmlns:a14="http://schemas.microsoft.com/office/drawing/2010/main" xmlns="" w="9525">
                   <a:solidFill>
                     <a:srgbClr val="000000"/>
                   </a:solidFill>
@@ -29202,7 +29202,7 @@
             </a:ln>
             <a:extLst>
               <a:ext uri="{91240B29-F687-4f45-9708-019B960494DF}">
-                <a14:hiddenLine xmlns="" xmlns:a14="http://schemas.microsoft.com/office/drawing/2010/main" w="9525">
+                <a14:hiddenLine xmlns:a14="http://schemas.microsoft.com/office/drawing/2010/main" xmlns="" w="9525">
                   <a:solidFill>
                     <a:srgbClr val="000000"/>
                   </a:solidFill>
@@ -29292,7 +29292,7 @@
             </a:ln>
             <a:extLst>
               <a:ext uri="{91240B29-F687-4f45-9708-019B960494DF}">
-                <a14:hiddenLine xmlns="" xmlns:a14="http://schemas.microsoft.com/office/drawing/2010/main" w="9525">
+                <a14:hiddenLine xmlns:a14="http://schemas.microsoft.com/office/drawing/2010/main" xmlns="" w="9525">
                   <a:solidFill>
                     <a:srgbClr val="000000"/>
                   </a:solidFill>
@@ -29354,7 +29354,7 @@
             </a:ln>
             <a:extLst>
               <a:ext uri="{91240B29-F687-4f45-9708-019B960494DF}">
-                <a14:hiddenLine xmlns="" xmlns:a14="http://schemas.microsoft.com/office/drawing/2010/main" w="9525">
+                <a14:hiddenLine xmlns:a14="http://schemas.microsoft.com/office/drawing/2010/main" xmlns="" w="9525">
                   <a:solidFill>
                     <a:srgbClr val="000000"/>
                   </a:solidFill>
@@ -29444,7 +29444,7 @@
             </a:ln>
             <a:extLst>
               <a:ext uri="{91240B29-F687-4f45-9708-019B960494DF}">
-                <a14:hiddenLine xmlns="" xmlns:a14="http://schemas.microsoft.com/office/drawing/2010/main" w="9525">
+                <a14:hiddenLine xmlns:a14="http://schemas.microsoft.com/office/drawing/2010/main" xmlns="" w="9525">
                   <a:solidFill>
                     <a:srgbClr val="000000"/>
                   </a:solidFill>
@@ -29534,7 +29534,7 @@
             </a:ln>
             <a:extLst>
               <a:ext uri="{91240B29-F687-4f45-9708-019B960494DF}">
-                <a14:hiddenLine xmlns="" xmlns:a14="http://schemas.microsoft.com/office/drawing/2010/main" w="9525">
+                <a14:hiddenLine xmlns:a14="http://schemas.microsoft.com/office/drawing/2010/main" xmlns="" w="9525">
                   <a:solidFill>
                     <a:srgbClr val="000000"/>
                   </a:solidFill>
@@ -29590,7 +29590,7 @@
             </a:ln>
             <a:extLst>
               <a:ext uri="{91240B29-F687-4f45-9708-019B960494DF}">
-                <a14:hiddenLine xmlns="" xmlns:a14="http://schemas.microsoft.com/office/drawing/2010/main" w="9525">
+                <a14:hiddenLine xmlns:a14="http://schemas.microsoft.com/office/drawing/2010/main" xmlns="" w="9525">
                   <a:solidFill>
                     <a:srgbClr val="000000"/>
                   </a:solidFill>
@@ -29680,7 +29680,7 @@
             </a:ln>
             <a:extLst>
               <a:ext uri="{91240B29-F687-4f45-9708-019B960494DF}">
-                <a14:hiddenLine xmlns="" xmlns:a14="http://schemas.microsoft.com/office/drawing/2010/main" w="9525">
+                <a14:hiddenLine xmlns:a14="http://schemas.microsoft.com/office/drawing/2010/main" xmlns="" w="9525">
                   <a:solidFill>
                     <a:srgbClr val="000000"/>
                   </a:solidFill>
@@ -29736,7 +29736,7 @@
             </a:ln>
             <a:extLst>
               <a:ext uri="{91240B29-F687-4f45-9708-019B960494DF}">
-                <a14:hiddenLine xmlns="" xmlns:a14="http://schemas.microsoft.com/office/drawing/2010/main" w="9525">
+                <a14:hiddenLine xmlns:a14="http://schemas.microsoft.com/office/drawing/2010/main" xmlns="" w="9525">
                   <a:solidFill>
                     <a:srgbClr val="000000"/>
                   </a:solidFill>
@@ -29826,7 +29826,7 @@
             </a:ln>
             <a:extLst>
               <a:ext uri="{91240B29-F687-4f45-9708-019B960494DF}">
-                <a14:hiddenLine xmlns="" xmlns:a14="http://schemas.microsoft.com/office/drawing/2010/main" w="9525">
+                <a14:hiddenLine xmlns:a14="http://schemas.microsoft.com/office/drawing/2010/main" xmlns="" w="9525">
                   <a:solidFill>
                     <a:srgbClr val="000000"/>
                   </a:solidFill>
@@ -29894,7 +29894,7 @@
             </a:ln>
             <a:extLst>
               <a:ext uri="{91240B29-F687-4f45-9708-019B960494DF}">
-                <a14:hiddenLine xmlns="" xmlns:a14="http://schemas.microsoft.com/office/drawing/2010/main" w="9525">
+                <a14:hiddenLine xmlns:a14="http://schemas.microsoft.com/office/drawing/2010/main" xmlns="" w="9525">
                   <a:solidFill>
                     <a:srgbClr val="000000"/>
                   </a:solidFill>
@@ -29984,7 +29984,7 @@
             </a:ln>
             <a:extLst>
               <a:ext uri="{91240B29-F687-4f45-9708-019B960494DF}">
-                <a14:hiddenLine xmlns="" xmlns:a14="http://schemas.microsoft.com/office/drawing/2010/main" w="9525">
+                <a14:hiddenLine xmlns:a14="http://schemas.microsoft.com/office/drawing/2010/main" xmlns="" w="9525">
                   <a:solidFill>
                     <a:srgbClr val="000000"/>
                   </a:solidFill>
@@ -30052,7 +30052,7 @@
             </a:ln>
             <a:extLst>
               <a:ext uri="{91240B29-F687-4f45-9708-019B960494DF}">
-                <a14:hiddenLine xmlns="" xmlns:a14="http://schemas.microsoft.com/office/drawing/2010/main" w="9525">
+                <a14:hiddenLine xmlns:a14="http://schemas.microsoft.com/office/drawing/2010/main" xmlns="" w="9525">
                   <a:solidFill>
                     <a:srgbClr val="000000"/>
                   </a:solidFill>
@@ -30142,7 +30142,7 @@
             </a:ln>
             <a:extLst>
               <a:ext uri="{91240B29-F687-4f45-9708-019B960494DF}">
-                <a14:hiddenLine xmlns="" xmlns:a14="http://schemas.microsoft.com/office/drawing/2010/main" w="9525">
+                <a14:hiddenLine xmlns:a14="http://schemas.microsoft.com/office/drawing/2010/main" xmlns="" w="9525">
                   <a:solidFill>
                     <a:srgbClr val="000000"/>
                   </a:solidFill>
@@ -30176,7 +30176,7 @@
             </a:ln>
             <a:extLst>
               <a:ext uri="{91240B29-F687-4f45-9708-019B960494DF}">
-                <a14:hiddenLine xmlns="" xmlns:a14="http://schemas.microsoft.com/office/drawing/2010/main" w="9525">
+                <a14:hiddenLine xmlns:a14="http://schemas.microsoft.com/office/drawing/2010/main" xmlns="" w="9525">
                   <a:solidFill>
                     <a:srgbClr val="000000"/>
                   </a:solidFill>
@@ -30266,7 +30266,7 @@
             </a:ln>
             <a:extLst>
               <a:ext uri="{91240B29-F687-4f45-9708-019B960494DF}">
-                <a14:hiddenLine xmlns="" xmlns:a14="http://schemas.microsoft.com/office/drawing/2010/main" w="9525">
+                <a14:hiddenLine xmlns:a14="http://schemas.microsoft.com/office/drawing/2010/main" xmlns="" w="9525">
                   <a:solidFill>
                     <a:srgbClr val="000000"/>
                   </a:solidFill>
@@ -30328,7 +30328,7 @@
             </a:ln>
             <a:extLst>
               <a:ext uri="{91240B29-F687-4f45-9708-019B960494DF}">
-                <a14:hiddenLine xmlns="" xmlns:a14="http://schemas.microsoft.com/office/drawing/2010/main" w="9525">
+                <a14:hiddenLine xmlns:a14="http://schemas.microsoft.com/office/drawing/2010/main" xmlns="" w="9525">
                   <a:solidFill>
                     <a:srgbClr val="000000"/>
                   </a:solidFill>
@@ -30390,7 +30390,7 @@
             </a:ln>
             <a:extLst>
               <a:ext uri="{91240B29-F687-4f45-9708-019B960494DF}">
-                <a14:hiddenLine xmlns="" xmlns:a14="http://schemas.microsoft.com/office/drawing/2010/main" w="9525">
+                <a14:hiddenLine xmlns:a14="http://schemas.microsoft.com/office/drawing/2010/main" xmlns="" w="9525">
                   <a:solidFill>
                     <a:srgbClr val="000000"/>
                   </a:solidFill>
@@ -30480,7 +30480,7 @@
             </a:ln>
             <a:extLst>
               <a:ext uri="{91240B29-F687-4f45-9708-019B960494DF}">
-                <a14:hiddenLine xmlns="" xmlns:a14="http://schemas.microsoft.com/office/drawing/2010/main" w="9525">
+                <a14:hiddenLine xmlns:a14="http://schemas.microsoft.com/office/drawing/2010/main" xmlns="" w="9525">
                   <a:solidFill>
                     <a:srgbClr val="000000"/>
                   </a:solidFill>
@@ -30548,7 +30548,7 @@
             </a:ln>
             <a:extLst>
               <a:ext uri="{91240B29-F687-4f45-9708-019B960494DF}">
-                <a14:hiddenLine xmlns="" xmlns:a14="http://schemas.microsoft.com/office/drawing/2010/main" w="9525">
+                <a14:hiddenLine xmlns:a14="http://schemas.microsoft.com/office/drawing/2010/main" xmlns="" w="9525">
                   <a:solidFill>
                     <a:srgbClr val="000000"/>
                   </a:solidFill>
@@ -30610,7 +30610,7 @@
             </a:ln>
             <a:extLst>
               <a:ext uri="{91240B29-F687-4f45-9708-019B960494DF}">
-                <a14:hiddenLine xmlns="" xmlns:a14="http://schemas.microsoft.com/office/drawing/2010/main" w="9525">
+                <a14:hiddenLine xmlns:a14="http://schemas.microsoft.com/office/drawing/2010/main" xmlns="" w="9525">
                   <a:solidFill>
                     <a:srgbClr val="000000"/>
                   </a:solidFill>
@@ -30700,7 +30700,7 @@
             </a:ln>
             <a:extLst>
               <a:ext uri="{91240B29-F687-4f45-9708-019B960494DF}">
-                <a14:hiddenLine xmlns="" xmlns:a14="http://schemas.microsoft.com/office/drawing/2010/main" w="9525">
+                <a14:hiddenLine xmlns:a14="http://schemas.microsoft.com/office/drawing/2010/main" xmlns="" w="9525">
                   <a:solidFill>
                     <a:srgbClr val="000000"/>
                   </a:solidFill>
@@ -30762,7 +30762,7 @@
             </a:ln>
             <a:extLst>
               <a:ext uri="{91240B29-F687-4f45-9708-019B960494DF}">
-                <a14:hiddenLine xmlns="" xmlns:a14="http://schemas.microsoft.com/office/drawing/2010/main" w="9525">
+                <a14:hiddenLine xmlns:a14="http://schemas.microsoft.com/office/drawing/2010/main" xmlns="" w="9525">
                   <a:solidFill>
                     <a:srgbClr val="000000"/>
                   </a:solidFill>
@@ -30852,7 +30852,7 @@
             </a:ln>
             <a:extLst>
               <a:ext uri="{91240B29-F687-4f45-9708-019B960494DF}">
-                <a14:hiddenLine xmlns="" xmlns:a14="http://schemas.microsoft.com/office/drawing/2010/main" w="9525">
+                <a14:hiddenLine xmlns:a14="http://schemas.microsoft.com/office/drawing/2010/main" xmlns="" w="9525">
                   <a:solidFill>
                     <a:srgbClr val="000000"/>
                   </a:solidFill>
@@ -30914,7 +30914,7 @@
             </a:ln>
             <a:extLst>
               <a:ext uri="{91240B29-F687-4f45-9708-019B960494DF}">
-                <a14:hiddenLine xmlns="" xmlns:a14="http://schemas.microsoft.com/office/drawing/2010/main" w="9525">
+                <a14:hiddenLine xmlns:a14="http://schemas.microsoft.com/office/drawing/2010/main" xmlns="" w="9525">
                   <a:solidFill>
                     <a:srgbClr val="000000"/>
                   </a:solidFill>
@@ -31004,7 +31004,7 @@
             </a:ln>
             <a:extLst>
               <a:ext uri="{91240B29-F687-4f45-9708-019B960494DF}">
-                <a14:hiddenLine xmlns="" xmlns:a14="http://schemas.microsoft.com/office/drawing/2010/main" w="9525">
+                <a14:hiddenLine xmlns:a14="http://schemas.microsoft.com/office/drawing/2010/main" xmlns="" w="9525">
                   <a:solidFill>
                     <a:srgbClr val="000000"/>
                   </a:solidFill>
@@ -31038,7 +31038,7 @@
             </a:ln>
             <a:extLst>
               <a:ext uri="{91240B29-F687-4f45-9708-019B960494DF}">
-                <a14:hiddenLine xmlns="" xmlns:a14="http://schemas.microsoft.com/office/drawing/2010/main" w="9525">
+                <a14:hiddenLine xmlns:a14="http://schemas.microsoft.com/office/drawing/2010/main" xmlns="" w="9525">
                   <a:solidFill>
                     <a:srgbClr val="000000"/>
                   </a:solidFill>
@@ -31103,7 +31103,7 @@
             </a:ln>
             <a:extLst>
               <a:ext uri="{91240B29-F687-4f45-9708-019B960494DF}">
-                <a14:hiddenLine xmlns="" xmlns:a14="http://schemas.microsoft.com/office/drawing/2010/main" w="9525">
+                <a14:hiddenLine xmlns:a14="http://schemas.microsoft.com/office/drawing/2010/main" xmlns="" w="9525">
                   <a:solidFill>
                     <a:srgbClr val="000000"/>
                   </a:solidFill>
@@ -31193,7 +31193,7 @@
             </a:ln>
             <a:extLst>
               <a:ext uri="{91240B29-F687-4f45-9708-019B960494DF}">
-                <a14:hiddenLine xmlns="" xmlns:a14="http://schemas.microsoft.com/office/drawing/2010/main" w="9525">
+                <a14:hiddenLine xmlns:a14="http://schemas.microsoft.com/office/drawing/2010/main" xmlns="" w="9525">
                   <a:solidFill>
                     <a:srgbClr val="000000"/>
                   </a:solidFill>
@@ -31255,7 +31255,7 @@
             </a:ln>
             <a:extLst>
               <a:ext uri="{91240B29-F687-4f45-9708-019B960494DF}">
-                <a14:hiddenLine xmlns="" xmlns:a14="http://schemas.microsoft.com/office/drawing/2010/main" w="9525">
+                <a14:hiddenLine xmlns:a14="http://schemas.microsoft.com/office/drawing/2010/main" xmlns="" w="9525">
                   <a:solidFill>
                     <a:srgbClr val="000000"/>
                   </a:solidFill>
@@ -31345,7 +31345,7 @@
             </a:ln>
             <a:extLst>
               <a:ext uri="{91240B29-F687-4f45-9708-019B960494DF}">
-                <a14:hiddenLine xmlns="" xmlns:a14="http://schemas.microsoft.com/office/drawing/2010/main" w="9525">
+                <a14:hiddenLine xmlns:a14="http://schemas.microsoft.com/office/drawing/2010/main" xmlns="" w="9525">
                   <a:solidFill>
                     <a:srgbClr val="000000"/>
                   </a:solidFill>
@@ -31435,7 +31435,7 @@
             </a:ln>
             <a:extLst>
               <a:ext uri="{91240B29-F687-4f45-9708-019B960494DF}">
-                <a14:hiddenLine xmlns="" xmlns:a14="http://schemas.microsoft.com/office/drawing/2010/main" w="9525">
+                <a14:hiddenLine xmlns:a14="http://schemas.microsoft.com/office/drawing/2010/main" xmlns="" w="9525">
                   <a:solidFill>
                     <a:srgbClr val="000000"/>
                   </a:solidFill>
@@ -31500,7 +31500,7 @@
             </a:ln>
             <a:extLst>
               <a:ext uri="{91240B29-F687-4f45-9708-019B960494DF}">
-                <a14:hiddenLine xmlns="" xmlns:a14="http://schemas.microsoft.com/office/drawing/2010/main" w="9525">
+                <a14:hiddenLine xmlns:a14="http://schemas.microsoft.com/office/drawing/2010/main" xmlns="" w="9525">
                   <a:solidFill>
                     <a:srgbClr val="000000"/>
                   </a:solidFill>
@@ -31562,7 +31562,7 @@
             </a:ln>
             <a:extLst>
               <a:ext uri="{91240B29-F687-4f45-9708-019B960494DF}">
-                <a14:hiddenLine xmlns="" xmlns:a14="http://schemas.microsoft.com/office/drawing/2010/main" w="9525">
+                <a14:hiddenLine xmlns:a14="http://schemas.microsoft.com/office/drawing/2010/main" xmlns="" w="9525">
                   <a:solidFill>
                     <a:srgbClr val="000000"/>
                   </a:solidFill>
@@ -31652,7 +31652,7 @@
             </a:ln>
             <a:extLst>
               <a:ext uri="{91240B29-F687-4f45-9708-019B960494DF}">
-                <a14:hiddenLine xmlns="" xmlns:a14="http://schemas.microsoft.com/office/drawing/2010/main" w="9525">
+                <a14:hiddenLine xmlns:a14="http://schemas.microsoft.com/office/drawing/2010/main" xmlns="" w="9525">
                   <a:solidFill>
                     <a:srgbClr val="000000"/>
                   </a:solidFill>
@@ -31742,7 +31742,7 @@
             </a:ln>
             <a:extLst>
               <a:ext uri="{91240B29-F687-4f45-9708-019B960494DF}">
-                <a14:hiddenLine xmlns="" xmlns:a14="http://schemas.microsoft.com/office/drawing/2010/main" w="9525">
+                <a14:hiddenLine xmlns:a14="http://schemas.microsoft.com/office/drawing/2010/main" xmlns="" w="9525">
                   <a:solidFill>
                     <a:srgbClr val="000000"/>
                   </a:solidFill>
@@ -31804,7 +31804,7 @@
             </a:ln>
             <a:extLst>
               <a:ext uri="{91240B29-F687-4f45-9708-019B960494DF}">
-                <a14:hiddenLine xmlns="" xmlns:a14="http://schemas.microsoft.com/office/drawing/2010/main" w="9525">
+                <a14:hiddenLine xmlns:a14="http://schemas.microsoft.com/office/drawing/2010/main" xmlns="" w="9525">
                   <a:solidFill>
                     <a:srgbClr val="000000"/>
                   </a:solidFill>
@@ -31924,7 +31924,7 @@
             </a:ln>
             <a:extLst>
               <a:ext uri="{91240B29-F687-4f45-9708-019B960494DF}">
-                <a14:hiddenLine xmlns="" xmlns:a14="http://schemas.microsoft.com/office/drawing/2010/main" w="9525">
+                <a14:hiddenLine xmlns:a14="http://schemas.microsoft.com/office/drawing/2010/main" xmlns="" w="9525">
                   <a:solidFill>
                     <a:srgbClr val="000000"/>
                   </a:solidFill>
@@ -31992,7 +31992,7 @@
             </a:ln>
             <a:extLst>
               <a:ext uri="{91240B29-F687-4f45-9708-019B960494DF}">
-                <a14:hiddenLine xmlns="" xmlns:a14="http://schemas.microsoft.com/office/drawing/2010/main" w="9525">
+                <a14:hiddenLine xmlns:a14="http://schemas.microsoft.com/office/drawing/2010/main" xmlns="" w="9525">
                   <a:solidFill>
                     <a:srgbClr val="000000"/>
                   </a:solidFill>
@@ -32082,7 +32082,7 @@
             </a:ln>
             <a:extLst>
               <a:ext uri="{91240B29-F687-4f45-9708-019B960494DF}">
-                <a14:hiddenLine xmlns="" xmlns:a14="http://schemas.microsoft.com/office/drawing/2010/main" w="9525">
+                <a14:hiddenLine xmlns:a14="http://schemas.microsoft.com/office/drawing/2010/main" xmlns="" w="9525">
                   <a:solidFill>
                     <a:srgbClr val="000000"/>
                   </a:solidFill>
@@ -37017,7 +37017,7 @@
               </a:ln>
               <a:extLst>
                 <a:ext uri="{91240B29-F687-4f45-9708-019B960494DF}">
-                  <a14:hiddenLine xmlns="" xmlns:a14="http://schemas.microsoft.com/office/drawing/2010/main" w="9525">
+                  <a14:hiddenLine xmlns:a14="http://schemas.microsoft.com/office/drawing/2010/main" xmlns="" w="9525">
                     <a:solidFill>
                       <a:srgbClr val="000000"/>
                     </a:solidFill>
@@ -37107,7 +37107,7 @@
               </a:ln>
               <a:extLst>
                 <a:ext uri="{91240B29-F687-4f45-9708-019B960494DF}">
-                  <a14:hiddenLine xmlns="" xmlns:a14="http://schemas.microsoft.com/office/drawing/2010/main" w="9525">
+                  <a14:hiddenLine xmlns:a14="http://schemas.microsoft.com/office/drawing/2010/main" xmlns="" w="9525">
                     <a:solidFill>
                       <a:srgbClr val="000000"/>
                     </a:solidFill>
@@ -37197,7 +37197,7 @@
               </a:ln>
               <a:extLst>
                 <a:ext uri="{91240B29-F687-4f45-9708-019B960494DF}">
-                  <a14:hiddenLine xmlns="" xmlns:a14="http://schemas.microsoft.com/office/drawing/2010/main" w="9525">
+                  <a14:hiddenLine xmlns:a14="http://schemas.microsoft.com/office/drawing/2010/main" xmlns="" w="9525">
                     <a:solidFill>
                       <a:srgbClr val="000000"/>
                     </a:solidFill>
@@ -37259,7 +37259,7 @@
               </a:ln>
               <a:extLst>
                 <a:ext uri="{91240B29-F687-4f45-9708-019B960494DF}">
-                  <a14:hiddenLine xmlns="" xmlns:a14="http://schemas.microsoft.com/office/drawing/2010/main" w="9525">
+                  <a14:hiddenLine xmlns:a14="http://schemas.microsoft.com/office/drawing/2010/main" xmlns="" w="9525">
                     <a:solidFill>
                       <a:srgbClr val="000000"/>
                     </a:solidFill>
@@ -37349,7 +37349,7 @@
               </a:ln>
               <a:extLst>
                 <a:ext uri="{91240B29-F687-4f45-9708-019B960494DF}">
-                  <a14:hiddenLine xmlns="" xmlns:a14="http://schemas.microsoft.com/office/drawing/2010/main" w="9525">
+                  <a14:hiddenLine xmlns:a14="http://schemas.microsoft.com/office/drawing/2010/main" xmlns="" w="9525">
                     <a:solidFill>
                       <a:srgbClr val="000000"/>
                     </a:solidFill>
@@ -37411,7 +37411,7 @@
               </a:ln>
               <a:extLst>
                 <a:ext uri="{91240B29-F687-4f45-9708-019B960494DF}">
-                  <a14:hiddenLine xmlns="" xmlns:a14="http://schemas.microsoft.com/office/drawing/2010/main" w="9525">
+                  <a14:hiddenLine xmlns:a14="http://schemas.microsoft.com/office/drawing/2010/main" xmlns="" w="9525">
                     <a:solidFill>
                       <a:srgbClr val="000000"/>
                     </a:solidFill>
@@ -37473,7 +37473,7 @@
               </a:ln>
               <a:extLst>
                 <a:ext uri="{91240B29-F687-4f45-9708-019B960494DF}">
-                  <a14:hiddenLine xmlns="" xmlns:a14="http://schemas.microsoft.com/office/drawing/2010/main" w="9525">
+                  <a14:hiddenLine xmlns:a14="http://schemas.microsoft.com/office/drawing/2010/main" xmlns="" w="9525">
                     <a:solidFill>
                       <a:srgbClr val="000000"/>
                     </a:solidFill>
@@ -37563,7 +37563,7 @@
               </a:ln>
               <a:extLst>
                 <a:ext uri="{91240B29-F687-4f45-9708-019B960494DF}">
-                  <a14:hiddenLine xmlns="" xmlns:a14="http://schemas.microsoft.com/office/drawing/2010/main" w="9525">
+                  <a14:hiddenLine xmlns:a14="http://schemas.microsoft.com/office/drawing/2010/main" xmlns="" w="9525">
                     <a:solidFill>
                       <a:srgbClr val="000000"/>
                     </a:solidFill>
@@ -37653,7 +37653,7 @@
               </a:ln>
               <a:extLst>
                 <a:ext uri="{91240B29-F687-4f45-9708-019B960494DF}">
-                  <a14:hiddenLine xmlns="" xmlns:a14="http://schemas.microsoft.com/office/drawing/2010/main" w="9525">
+                  <a14:hiddenLine xmlns:a14="http://schemas.microsoft.com/office/drawing/2010/main" xmlns="" w="9525">
                     <a:solidFill>
                       <a:srgbClr val="000000"/>
                     </a:solidFill>
@@ -37715,7 +37715,7 @@
               </a:ln>
               <a:extLst>
                 <a:ext uri="{91240B29-F687-4f45-9708-019B960494DF}">
-                  <a14:hiddenLine xmlns="" xmlns:a14="http://schemas.microsoft.com/office/drawing/2010/main" w="9525">
+                  <a14:hiddenLine xmlns:a14="http://schemas.microsoft.com/office/drawing/2010/main" xmlns="" w="9525">
                     <a:solidFill>
                       <a:srgbClr val="000000"/>
                     </a:solidFill>
@@ -37825,7 +37825,7 @@
               </a:ln>
               <a:extLst>
                 <a:ext uri="{91240B29-F687-4f45-9708-019B960494DF}">
-                  <a14:hiddenLine xmlns="" xmlns:a14="http://schemas.microsoft.com/office/drawing/2010/main" w="9525">
+                  <a14:hiddenLine xmlns:a14="http://schemas.microsoft.com/office/drawing/2010/main" xmlns="" w="9525">
                     <a:solidFill>
                       <a:srgbClr val="000000"/>
                     </a:solidFill>
@@ -37909,7 +37909,7 @@
               </a:ln>
               <a:extLst>
                 <a:ext uri="{91240B29-F687-4f45-9708-019B960494DF}">
-                  <a14:hiddenLine xmlns="" xmlns:a14="http://schemas.microsoft.com/office/drawing/2010/main" w="9525">
+                  <a14:hiddenLine xmlns:a14="http://schemas.microsoft.com/office/drawing/2010/main" xmlns="" w="9525">
                     <a:solidFill>
                       <a:srgbClr val="000000"/>
                     </a:solidFill>
@@ -37971,7 +37971,7 @@
               </a:ln>
               <a:extLst>
                 <a:ext uri="{91240B29-F687-4f45-9708-019B960494DF}">
-                  <a14:hiddenLine xmlns="" xmlns:a14="http://schemas.microsoft.com/office/drawing/2010/main" w="9525">
+                  <a14:hiddenLine xmlns:a14="http://schemas.microsoft.com/office/drawing/2010/main" xmlns="" w="9525">
                     <a:solidFill>
                       <a:srgbClr val="000000"/>
                     </a:solidFill>
@@ -38033,7 +38033,7 @@
               </a:ln>
               <a:extLst>
                 <a:ext uri="{91240B29-F687-4f45-9708-019B960494DF}">
-                  <a14:hiddenLine xmlns="" xmlns:a14="http://schemas.microsoft.com/office/drawing/2010/main" w="9525">
+                  <a14:hiddenLine xmlns:a14="http://schemas.microsoft.com/office/drawing/2010/main" xmlns="" w="9525">
                     <a:solidFill>
                       <a:srgbClr val="000000"/>
                     </a:solidFill>
@@ -38123,7 +38123,7 @@
               </a:ln>
               <a:extLst>
                 <a:ext uri="{91240B29-F687-4f45-9708-019B960494DF}">
-                  <a14:hiddenLine xmlns="" xmlns:a14="http://schemas.microsoft.com/office/drawing/2010/main" w="9525">
+                  <a14:hiddenLine xmlns:a14="http://schemas.microsoft.com/office/drawing/2010/main" xmlns="" w="9525">
                     <a:solidFill>
                       <a:srgbClr val="000000"/>
                     </a:solidFill>
@@ -38157,7 +38157,7 @@
               </a:ln>
               <a:extLst>
                 <a:ext uri="{91240B29-F687-4f45-9708-019B960494DF}">
-                  <a14:hiddenLine xmlns="" xmlns:a14="http://schemas.microsoft.com/office/drawing/2010/main" w="9525">
+                  <a14:hiddenLine xmlns:a14="http://schemas.microsoft.com/office/drawing/2010/main" xmlns="" w="9525">
                     <a:solidFill>
                       <a:srgbClr val="000000"/>
                     </a:solidFill>
@@ -38222,7 +38222,7 @@
               </a:ln>
               <a:extLst>
                 <a:ext uri="{91240B29-F687-4f45-9708-019B960494DF}">
-                  <a14:hiddenLine xmlns="" xmlns:a14="http://schemas.microsoft.com/office/drawing/2010/main" w="9525">
+                  <a14:hiddenLine xmlns:a14="http://schemas.microsoft.com/office/drawing/2010/main" xmlns="" w="9525">
                     <a:solidFill>
                       <a:srgbClr val="000000"/>
                     </a:solidFill>
@@ -38312,7 +38312,7 @@
               </a:ln>
               <a:extLst>
                 <a:ext uri="{91240B29-F687-4f45-9708-019B960494DF}">
-                  <a14:hiddenLine xmlns="" xmlns:a14="http://schemas.microsoft.com/office/drawing/2010/main" w="9525">
+                  <a14:hiddenLine xmlns:a14="http://schemas.microsoft.com/office/drawing/2010/main" xmlns="" w="9525">
                     <a:solidFill>
                       <a:srgbClr val="000000"/>
                     </a:solidFill>
@@ -38374,7 +38374,7 @@
               </a:ln>
               <a:extLst>
                 <a:ext uri="{91240B29-F687-4f45-9708-019B960494DF}">
-                  <a14:hiddenLine xmlns="" xmlns:a14="http://schemas.microsoft.com/office/drawing/2010/main" w="9525">
+                  <a14:hiddenLine xmlns:a14="http://schemas.microsoft.com/office/drawing/2010/main" xmlns="" w="9525">
                     <a:solidFill>
                       <a:srgbClr val="000000"/>
                     </a:solidFill>
@@ -38464,7 +38464,7 @@
               </a:ln>
               <a:extLst>
                 <a:ext uri="{91240B29-F687-4f45-9708-019B960494DF}">
-                  <a14:hiddenLine xmlns="" xmlns:a14="http://schemas.microsoft.com/office/drawing/2010/main" w="9525">
+                  <a14:hiddenLine xmlns:a14="http://schemas.microsoft.com/office/drawing/2010/main" xmlns="" w="9525">
                     <a:solidFill>
                       <a:srgbClr val="000000"/>
                     </a:solidFill>
@@ -38529,7 +38529,7 @@
               </a:ln>
               <a:extLst>
                 <a:ext uri="{91240B29-F687-4f45-9708-019B960494DF}">
-                  <a14:hiddenLine xmlns="" xmlns:a14="http://schemas.microsoft.com/office/drawing/2010/main" w="9525">
+                  <a14:hiddenLine xmlns:a14="http://schemas.microsoft.com/office/drawing/2010/main" xmlns="" w="9525">
                     <a:solidFill>
                       <a:srgbClr val="000000"/>
                     </a:solidFill>
@@ -38591,7 +38591,7 @@
               </a:ln>
               <a:extLst>
                 <a:ext uri="{91240B29-F687-4f45-9708-019B960494DF}">
-                  <a14:hiddenLine xmlns="" xmlns:a14="http://schemas.microsoft.com/office/drawing/2010/main" w="9525">
+                  <a14:hiddenLine xmlns:a14="http://schemas.microsoft.com/office/drawing/2010/main" xmlns="" w="9525">
                     <a:solidFill>
                       <a:srgbClr val="000000"/>
                     </a:solidFill>
@@ -38681,7 +38681,7 @@
               </a:ln>
               <a:extLst>
                 <a:ext uri="{91240B29-F687-4f45-9708-019B960494DF}">
-                  <a14:hiddenLine xmlns="" xmlns:a14="http://schemas.microsoft.com/office/drawing/2010/main" w="9525">
+                  <a14:hiddenLine xmlns:a14="http://schemas.microsoft.com/office/drawing/2010/main" xmlns="" w="9525">
                     <a:solidFill>
                       <a:srgbClr val="000000"/>
                     </a:solidFill>
@@ -38771,7 +38771,7 @@
               </a:ln>
               <a:extLst>
                 <a:ext uri="{91240B29-F687-4f45-9708-019B960494DF}">
-                  <a14:hiddenLine xmlns="" xmlns:a14="http://schemas.microsoft.com/office/drawing/2010/main" w="9525">
+                  <a14:hiddenLine xmlns:a14="http://schemas.microsoft.com/office/drawing/2010/main" xmlns="" w="9525">
                     <a:solidFill>
                       <a:srgbClr val="000000"/>
                     </a:solidFill>
@@ -38836,7 +38836,7 @@
               </a:ln>
               <a:extLst>
                 <a:ext uri="{91240B29-F687-4f45-9708-019B960494DF}">
-                  <a14:hiddenLine xmlns="" xmlns:a14="http://schemas.microsoft.com/office/drawing/2010/main" w="9525">
+                  <a14:hiddenLine xmlns:a14="http://schemas.microsoft.com/office/drawing/2010/main" xmlns="" w="9525">
                     <a:solidFill>
                       <a:srgbClr val="000000"/>
                     </a:solidFill>
@@ -38956,7 +38956,7 @@
               </a:ln>
               <a:extLst>
                 <a:ext uri="{91240B29-F687-4f45-9708-019B960494DF}">
-                  <a14:hiddenLine xmlns="" xmlns:a14="http://schemas.microsoft.com/office/drawing/2010/main" w="9525">
+                  <a14:hiddenLine xmlns:a14="http://schemas.microsoft.com/office/drawing/2010/main" xmlns="" w="9525">
                     <a:solidFill>
                       <a:srgbClr val="000000"/>
                     </a:solidFill>
@@ -39054,7 +39054,7 @@
               </a:ln>
               <a:extLst>
                 <a:ext uri="{91240B29-F687-4f45-9708-019B960494DF}">
-                  <a14:hiddenLine xmlns="" xmlns:a14="http://schemas.microsoft.com/office/drawing/2010/main" w="9525">
+                  <a14:hiddenLine xmlns:a14="http://schemas.microsoft.com/office/drawing/2010/main" xmlns="" w="9525">
                     <a:solidFill>
                       <a:srgbClr val="000000"/>
                     </a:solidFill>
@@ -39169,7 +39169,7 @@
               </a:ln>
               <a:extLst>
                 <a:ext uri="{91240B29-F687-4f45-9708-019B960494DF}">
-                  <a14:hiddenLine xmlns="" xmlns:a14="http://schemas.microsoft.com/office/drawing/2010/main" w="9525">
+                  <a14:hiddenLine xmlns:a14="http://schemas.microsoft.com/office/drawing/2010/main" xmlns="" w="9525">
                     <a:solidFill>
                       <a:srgbClr val="000000"/>
                     </a:solidFill>
@@ -39259,7 +39259,7 @@
               </a:ln>
               <a:extLst>
                 <a:ext uri="{91240B29-F687-4f45-9708-019B960494DF}">
-                  <a14:hiddenLine xmlns="" xmlns:a14="http://schemas.microsoft.com/office/drawing/2010/main" w="9525">
+                  <a14:hiddenLine xmlns:a14="http://schemas.microsoft.com/office/drawing/2010/main" xmlns="" w="9525">
                     <a:solidFill>
                       <a:srgbClr val="000000"/>
                     </a:solidFill>
@@ -39324,7 +39324,7 @@
               </a:ln>
               <a:extLst>
                 <a:ext uri="{91240B29-F687-4f45-9708-019B960494DF}">
-                  <a14:hiddenLine xmlns="" xmlns:a14="http://schemas.microsoft.com/office/drawing/2010/main" w="9525">
+                  <a14:hiddenLine xmlns:a14="http://schemas.microsoft.com/office/drawing/2010/main" xmlns="" w="9525">
                     <a:solidFill>
                       <a:srgbClr val="000000"/>
                     </a:solidFill>
@@ -39414,7 +39414,7 @@
               </a:ln>
               <a:extLst>
                 <a:ext uri="{91240B29-F687-4f45-9708-019B960494DF}">
-                  <a14:hiddenLine xmlns="" xmlns:a14="http://schemas.microsoft.com/office/drawing/2010/main" w="9525">
+                  <a14:hiddenLine xmlns:a14="http://schemas.microsoft.com/office/drawing/2010/main" xmlns="" w="9525">
                     <a:solidFill>
                       <a:srgbClr val="000000"/>
                     </a:solidFill>
@@ -39482,7 +39482,7 @@
               </a:ln>
               <a:extLst>
                 <a:ext uri="{91240B29-F687-4f45-9708-019B960494DF}">
-                  <a14:hiddenLine xmlns="" xmlns:a14="http://schemas.microsoft.com/office/drawing/2010/main" w="9525">
+                  <a14:hiddenLine xmlns:a14="http://schemas.microsoft.com/office/drawing/2010/main" xmlns="" w="9525">
                     <a:solidFill>
                       <a:srgbClr val="000000"/>
                     </a:solidFill>
@@ -39572,7 +39572,7 @@
               </a:ln>
               <a:extLst>
                 <a:ext uri="{91240B29-F687-4f45-9708-019B960494DF}">
-                  <a14:hiddenLine xmlns="" xmlns:a14="http://schemas.microsoft.com/office/drawing/2010/main" w="9525">
+                  <a14:hiddenLine xmlns:a14="http://schemas.microsoft.com/office/drawing/2010/main" xmlns="" w="9525">
                     <a:solidFill>
                       <a:srgbClr val="000000"/>
                     </a:solidFill>
@@ -39640,7 +39640,7 @@
               </a:ln>
               <a:extLst>
                 <a:ext uri="{91240B29-F687-4f45-9708-019B960494DF}">
-                  <a14:hiddenLine xmlns="" xmlns:a14="http://schemas.microsoft.com/office/drawing/2010/main" w="9525">
+                  <a14:hiddenLine xmlns:a14="http://schemas.microsoft.com/office/drawing/2010/main" xmlns="" w="9525">
                     <a:solidFill>
                       <a:srgbClr val="000000"/>
                     </a:solidFill>
@@ -39730,7 +39730,7 @@
               </a:ln>
               <a:extLst>
                 <a:ext uri="{91240B29-F687-4f45-9708-019B960494DF}">
-                  <a14:hiddenLine xmlns="" xmlns:a14="http://schemas.microsoft.com/office/drawing/2010/main" w="9525">
+                  <a14:hiddenLine xmlns:a14="http://schemas.microsoft.com/office/drawing/2010/main" xmlns="" w="9525">
                     <a:solidFill>
                       <a:srgbClr val="000000"/>
                     </a:solidFill>
@@ -39764,7 +39764,7 @@
               </a:ln>
               <a:extLst>
                 <a:ext uri="{91240B29-F687-4f45-9708-019B960494DF}">
-                  <a14:hiddenLine xmlns="" xmlns:a14="http://schemas.microsoft.com/office/drawing/2010/main" w="9525">
+                  <a14:hiddenLine xmlns:a14="http://schemas.microsoft.com/office/drawing/2010/main" xmlns="" w="9525">
                     <a:solidFill>
                       <a:srgbClr val="000000"/>
                     </a:solidFill>
@@ -40406,7 +40406,7 @@
             </a:r>
             <a:r>
               <a:rPr lang="pl-PL" sz="2200" dirty="0"/>
-              <a:t>Z</a:t>
+              <a:t>z</a:t>
             </a:r>
             <a:r>
               <a:rPr lang="en-US" sz="2200" dirty="0" err="1"/>
@@ -40660,14 +40660,23 @@
   <p:clrMapOvr>
     <a:masterClrMapping/>
   </p:clrMapOvr>
-  <p:transition spd="slow">
-    <p:randomBar dir="vert"/>
-  </p:transition>
+  <mc:AlternateContent xmlns:mc="http://schemas.openxmlformats.org/markup-compatibility/2006">
+    <mc:Choice xmlns:p14="http://schemas.microsoft.com/office/powerpoint/2010/main" Requires="p14">
+      <p:transition spd="slow" p14:dur="2500">
+        <p:checker/>
+      </p:transition>
+    </mc:Choice>
+    <mc:Fallback>
+      <p:transition spd="slow">
+        <p:checker/>
+      </p:transition>
+    </mc:Fallback>
+  </mc:AlternateContent>
 </p:sld>
 </file>
 
 <file path=ppt/slides/slide11.xml><?xml version="1.0" encoding="utf-8"?>
-<p:sld xmlns:a="http://schemas.openxmlformats.org/drawingml/2006/main" xmlns:r="http://schemas.openxmlformats.org/officeDocument/2006/relationships" xmlns:p="http://schemas.openxmlformats.org/presentationml/2006/main">
+<p:sld xmlns:a="http://schemas.openxmlformats.org/drawingml/2006/main" xmlns:r="http://schemas.openxmlformats.org/officeDocument/2006/relationships" xmlns:p="http://schemas.openxmlformats.org/presentationml/2006/main" show="0">
   <p:cSld>
     <p:spTree>
       <p:nvGrpSpPr>
@@ -41247,6 +41256,18 @@
   <p:clrMapOvr>
     <a:masterClrMapping/>
   </p:clrMapOvr>
+  <mc:AlternateContent xmlns:mc="http://schemas.openxmlformats.org/markup-compatibility/2006">
+    <mc:Choice xmlns:p14="http://schemas.microsoft.com/office/powerpoint/2010/main" Requires="p14">
+      <p:transition spd="slow" p14:dur="2500">
+        <p:checker/>
+      </p:transition>
+    </mc:Choice>
+    <mc:Fallback>
+      <p:transition spd="slow">
+        <p:checker/>
+      </p:transition>
+    </mc:Fallback>
+  </mc:AlternateContent>
   <p:timing>
     <p:tnLst>
       <p:par>
@@ -41743,13 +41764,13 @@
   <p:clrMapOvr>
     <a:masterClrMapping/>
   </p:clrMapOvr>
-  <mc:AlternateContent xmlns:mc="http://schemas.openxmlformats.org/markup-compatibility/2006">
-    <mc:Choice xmlns:p14="http://schemas.microsoft.com/office/powerpoint/2010/main" Requires="p14">
+  <mc:AlternateContent xmlns:mc="http://schemas.openxmlformats.org/markup-compatibility/2006" xmlns:p14="http://schemas.microsoft.com/office/powerpoint/2010/main">
+    <mc:Choice Requires="p14">
       <p:transition spd="slow" p14:dur="2500">
         <p:checker/>
       </p:transition>
     </mc:Choice>
-    <mc:Fallback>
+    <mc:Fallback xmlns="">
       <p:transition spd="slow">
         <p:checker/>
       </p:transition>
@@ -41860,13 +41881,13 @@
   <p:clrMapOvr>
     <a:masterClrMapping/>
   </p:clrMapOvr>
-  <mc:AlternateContent xmlns:mc="http://schemas.openxmlformats.org/markup-compatibility/2006">
-    <mc:Choice xmlns:p14="http://schemas.microsoft.com/office/powerpoint/2010/main" Requires="p14">
+  <mc:AlternateContent xmlns:mc="http://schemas.openxmlformats.org/markup-compatibility/2006" xmlns:p14="http://schemas.microsoft.com/office/powerpoint/2010/main">
+    <mc:Choice Requires="p14">
       <p:transition spd="slow" p14:dur="2500">
         <p:checker/>
       </p:transition>
     </mc:Choice>
-    <mc:Fallback>
+    <mc:Fallback xmlns="">
       <p:transition spd="slow">
         <p:checker/>
       </p:transition>
@@ -43785,11 +43806,7 @@
           <a:p>
             <a:r>
               <a:rPr lang="en-GB" dirty="0"/>
-              <a:t>TWO Different WAYs OF </a:t>
-            </a:r>
-            <a:r>
-              <a:rPr lang="en-GB" dirty="0" err="1"/>
-              <a:t>BuildING</a:t>
+              <a:t>TWO Different WAYs OF Building</a:t>
             </a:r>
             <a:br>
               <a:rPr lang="en-GB" dirty="0"/>
@@ -48019,7 +48036,7 @@
             </a:r>
             <a:r>
               <a:rPr lang="pl-PL" dirty="0"/>
-              <a:t> has not emereged yet</a:t>
+              <a:t> has not emerged yet</a:t>
             </a:r>
           </a:p>
           <a:p>
@@ -51341,15 +51358,7 @@
             </a:r>
             <a:r>
               <a:rPr lang="pl-PL" dirty="0"/>
-              <a:t>- </a:t>
-            </a:r>
-            <a:r>
-              <a:rPr lang="en-US" dirty="0"/>
-              <a:t>o</a:t>
-            </a:r>
-            <a:r>
-              <a:rPr lang="pl-PL" dirty="0"/>
-              <a:t>UR ROLE IN EOS ECOSYSTEM</a:t>
+              <a:t>- OUR ROLE IN EOS ECOSYSTEM</a:t>
             </a:r>
             <a:endParaRPr lang="en-US" dirty="0">
               <a:solidFill>
@@ -51638,13 +51647,13 @@
   <p:clrMapOvr>
     <a:masterClrMapping/>
   </p:clrMapOvr>
-  <mc:AlternateContent xmlns:mc="http://schemas.openxmlformats.org/markup-compatibility/2006">
-    <mc:Choice xmlns:p14="http://schemas.microsoft.com/office/powerpoint/2010/main" Requires="p14">
+  <mc:AlternateContent xmlns:mc="http://schemas.openxmlformats.org/markup-compatibility/2006" xmlns:p14="http://schemas.microsoft.com/office/powerpoint/2010/main">
+    <mc:Choice Requires="p14">
       <p:transition spd="slow" p14:dur="2500">
         <p:checker/>
       </p:transition>
     </mc:Choice>
-    <mc:Fallback>
+    <mc:Fallback xmlns="">
       <p:transition spd="slow">
         <p:checker/>
       </p:transition>
@@ -51749,7 +51758,7 @@
             </a:r>
             <a:r>
               <a:rPr lang="pl-PL" dirty="0"/>
-              <a:t>announcEment</a:t>
+              <a:t>announcement</a:t>
             </a:r>
             <a:endParaRPr lang="en-US" dirty="0"/>
           </a:p>
@@ -51862,8 +51871,8 @@
         </p:blipFill>
         <p:spPr>
           <a:xfrm>
-            <a:off x="3101087" y="4855948"/>
-            <a:ext cx="1769159" cy="611834"/>
+            <a:off x="2786762" y="4602048"/>
+            <a:ext cx="2722416" cy="941502"/>
           </a:xfrm>
           <a:prstGeom prst="rect">
             <a:avLst/>
@@ -52024,18 +52033,101 @@
   <p:clrMapOvr>
     <a:masterClrMapping/>
   </p:clrMapOvr>
-  <mc:AlternateContent xmlns:mc="http://schemas.openxmlformats.org/markup-compatibility/2006">
-    <mc:Choice xmlns:p14="http://schemas.microsoft.com/office/powerpoint/2010/main" Requires="p14">
+  <mc:AlternateContent xmlns:mc="http://schemas.openxmlformats.org/markup-compatibility/2006" xmlns:p14="http://schemas.microsoft.com/office/powerpoint/2010/main">
+    <mc:Choice Requires="p14">
       <p:transition spd="slow" p14:dur="2500">
         <p:checker/>
       </p:transition>
     </mc:Choice>
-    <mc:Fallback>
+    <mc:Fallback xmlns="">
       <p:transition spd="slow">
         <p:checker/>
       </p:transition>
     </mc:Fallback>
   </mc:AlternateContent>
+  <p:timing>
+    <p:tnLst>
+      <p:par>
+        <p:cTn id="1" dur="indefinite" restart="never" nodeType="tmRoot">
+          <p:childTnLst>
+            <p:seq concurrent="1" nextAc="seek">
+              <p:cTn id="2" dur="indefinite" nodeType="mainSeq">
+                <p:childTnLst>
+                  <p:par>
+                    <p:cTn id="3" fill="hold">
+                      <p:stCondLst>
+                        <p:cond delay="indefinite"/>
+                      </p:stCondLst>
+                      <p:childTnLst>
+                        <p:par>
+                          <p:cTn id="4" fill="hold">
+                            <p:stCondLst>
+                              <p:cond delay="0"/>
+                            </p:stCondLst>
+                            <p:childTnLst>
+                              <p:par>
+                                <p:cTn id="5" presetID="14" presetClass="entr" presetSubtype="10" fill="hold" nodeType="clickEffect">
+                                  <p:stCondLst>
+                                    <p:cond delay="0"/>
+                                  </p:stCondLst>
+                                  <p:childTnLst>
+                                    <p:set>
+                                      <p:cBhvr>
+                                        <p:cTn id="6" dur="1" fill="hold">
+                                          <p:stCondLst>
+                                            <p:cond delay="0"/>
+                                          </p:stCondLst>
+                                        </p:cTn>
+                                        <p:tgtEl>
+                                          <p:spTgt spid="40"/>
+                                        </p:tgtEl>
+                                        <p:attrNameLst>
+                                          <p:attrName>style.visibility</p:attrName>
+                                        </p:attrNameLst>
+                                      </p:cBhvr>
+                                      <p:to>
+                                        <p:strVal val="visible"/>
+                                      </p:to>
+                                    </p:set>
+                                    <p:animEffect transition="in" filter="randombar(horizontal)">
+                                      <p:cBhvr>
+                                        <p:cTn id="7" dur="500"/>
+                                        <p:tgtEl>
+                                          <p:spTgt spid="40"/>
+                                        </p:tgtEl>
+                                      </p:cBhvr>
+                                    </p:animEffect>
+                                  </p:childTnLst>
+                                </p:cTn>
+                              </p:par>
+                            </p:childTnLst>
+                          </p:cTn>
+                        </p:par>
+                      </p:childTnLst>
+                    </p:cTn>
+                  </p:par>
+                </p:childTnLst>
+              </p:cTn>
+              <p:prevCondLst>
+                <p:cond evt="onPrev" delay="0">
+                  <p:tgtEl>
+                    <p:sldTgt/>
+                  </p:tgtEl>
+                </p:cond>
+              </p:prevCondLst>
+              <p:nextCondLst>
+                <p:cond evt="onNext" delay="0">
+                  <p:tgtEl>
+                    <p:sldTgt/>
+                  </p:tgtEl>
+                </p:cond>
+              </p:nextCondLst>
+            </p:seq>
+          </p:childTnLst>
+        </p:cTn>
+      </p:par>
+    </p:tnLst>
+  </p:timing>
 </p:sld>
 </file>
 
@@ -54536,13 +54628,13 @@
   <p:clrMapOvr>
     <a:masterClrMapping/>
   </p:clrMapOvr>
-  <mc:AlternateContent xmlns:mc="http://schemas.openxmlformats.org/markup-compatibility/2006">
-    <mc:Choice xmlns:p14="http://schemas.microsoft.com/office/powerpoint/2010/main" Requires="p14">
+  <mc:AlternateContent xmlns:mc="http://schemas.openxmlformats.org/markup-compatibility/2006" xmlns:p14="http://schemas.microsoft.com/office/powerpoint/2010/main">
+    <mc:Choice Requires="p14">
       <p:transition spd="slow" p14:dur="2500">
         <p:checker/>
       </p:transition>
     </mc:Choice>
-    <mc:Fallback>
+    <mc:Fallback xmlns="">
       <p:transition spd="slow">
         <p:checker/>
       </p:transition>
